--- a/files/Yumiao's Internship Showcase (1).pptx
+++ b/files/Yumiao's Internship Showcase (1).pptx
@@ -5,29 +5,30 @@
     <p:sldMasterId id="2147483659" r:id="rId1"/>
   </p:sldMasterIdLst>
   <p:notesMasterIdLst>
-    <p:notesMasterId r:id="rId3"/>
+    <p:notesMasterId r:id="rId4"/>
   </p:notesMasterIdLst>
   <p:sldIdLst>
     <p:sldId id="256" r:id="rId2"/>
+    <p:sldId id="257" r:id="rId3"/>
   </p:sldIdLst>
   <p:sldSz cx="40233600" cy="31089600"/>
   <p:notesSz cx="6858000" cy="9144000"/>
   <p:embeddedFontLst>
     <p:embeddedFont>
-      <p:font typeface="Lobster" panose="00000500000000000000" pitchFamily="2" charset="0"/>
-      <p:regular r:id="rId4"/>
+      <p:font typeface="Lobster" pitchFamily="2" charset="77"/>
+      <p:regular r:id="rId5"/>
     </p:embeddedFont>
     <p:embeddedFont>
       <p:font typeface="Roboto" panose="02000000000000000000" pitchFamily="2" charset="0"/>
-      <p:regular r:id="rId5"/>
-      <p:bold r:id="rId6"/>
-      <p:italic r:id="rId7"/>
-      <p:boldItalic r:id="rId8"/>
+      <p:regular r:id="rId6"/>
+      <p:bold r:id="rId7"/>
+      <p:italic r:id="rId8"/>
+      <p:boldItalic r:id="rId9"/>
     </p:embeddedFont>
     <p:embeddedFont>
-      <p:font typeface="Roboto Slab" panose="02010600030101010101" charset="0"/>
-      <p:regular r:id="rId9"/>
-      <p:bold r:id="rId10"/>
+      <p:font typeface="Roboto Slab" pitchFamily="2" charset="0"/>
+      <p:regular r:id="rId10"/>
+      <p:bold r:id="rId11"/>
     </p:embeddedFont>
   </p:embeddedFontLst>
   <p:defaultTextStyle>
@@ -7063,7 +7064,7 @@
         <p:spPr>
           <a:xfrm>
             <a:off x="2166155" y="9390806"/>
-            <a:ext cx="23320944" cy="17490708"/>
+            <a:ext cx="23323296" cy="17492472"/>
           </a:xfrm>
           <a:prstGeom prst="rect">
             <a:avLst/>
@@ -7410,6 +7411,156 @@
         </p:style>
       </p:cxnSp>
     </p:spTree>
+  </p:cSld>
+  <p:clrMapOvr>
+    <a:masterClrMapping/>
+  </p:clrMapOvr>
+</p:sld>
+</file>
+
+<file path=ppt/slides/slide2.xml><?xml version="1.0" encoding="utf-8"?>
+<p:sld xmlns:a="http://schemas.openxmlformats.org/drawingml/2006/main" xmlns:r="http://schemas.openxmlformats.org/officeDocument/2006/relationships" xmlns:p="http://schemas.openxmlformats.org/presentationml/2006/main">
+  <p:cSld>
+    <p:spTree>
+      <p:nvGrpSpPr>
+        <p:cNvPr id="1" name=""/>
+        <p:cNvGrpSpPr/>
+        <p:nvPr/>
+      </p:nvGrpSpPr>
+      <p:grpSpPr>
+        <a:xfrm>
+          <a:off x="0" y="0"/>
+          <a:ext cx="0" cy="0"/>
+          <a:chOff x="0" y="0"/>
+          <a:chExt cx="0" cy="0"/>
+        </a:xfrm>
+      </p:grpSpPr>
+      <p:pic>
+        <p:nvPicPr>
+          <p:cNvPr id="12" name="Picture 11" descr="Text&#10;&#10;Description automatically generated">
+            <a:extLst>
+              <a:ext uri="{FF2B5EF4-FFF2-40B4-BE49-F238E27FC236}">
+                <a16:creationId xmlns:a16="http://schemas.microsoft.com/office/drawing/2014/main" id="{08EED5F6-B808-E88D-327C-275DA17D3425}"/>
+              </a:ext>
+            </a:extLst>
+          </p:cNvPr>
+          <p:cNvPicPr>
+            <a:picLocks noChangeAspect="1"/>
+          </p:cNvPicPr>
+          <p:nvPr/>
+        </p:nvPicPr>
+        <p:blipFill>
+          <a:blip r:embed="rId2"/>
+          <a:stretch>
+            <a:fillRect/>
+          </a:stretch>
+        </p:blipFill>
+        <p:spPr>
+          <a:xfrm>
+            <a:off x="4571999" y="3395717"/>
+            <a:ext cx="14579601" cy="11688818"/>
+          </a:xfrm>
+          <a:prstGeom prst="rect">
+            <a:avLst/>
+          </a:prstGeom>
+        </p:spPr>
+      </p:pic>
+      <p:pic>
+        <p:nvPicPr>
+          <p:cNvPr id="14" name="Picture 13" descr="A picture containing text, newspaper&#10;&#10;Description automatically generated">
+            <a:extLst>
+              <a:ext uri="{FF2B5EF4-FFF2-40B4-BE49-F238E27FC236}">
+                <a16:creationId xmlns:a16="http://schemas.microsoft.com/office/drawing/2014/main" id="{1674FB71-C321-20CB-B0D2-71A4FA1AE482}"/>
+              </a:ext>
+            </a:extLst>
+          </p:cNvPr>
+          <p:cNvPicPr>
+            <a:picLocks noChangeAspect="1"/>
+          </p:cNvPicPr>
+          <p:nvPr/>
+        </p:nvPicPr>
+        <p:blipFill>
+          <a:blip r:embed="rId3"/>
+          <a:stretch>
+            <a:fillRect/>
+          </a:stretch>
+        </p:blipFill>
+        <p:spPr>
+          <a:xfrm>
+            <a:off x="19151600" y="3395717"/>
+            <a:ext cx="14579601" cy="11751451"/>
+          </a:xfrm>
+          <a:prstGeom prst="rect">
+            <a:avLst/>
+          </a:prstGeom>
+        </p:spPr>
+      </p:pic>
+      <p:pic>
+        <p:nvPicPr>
+          <p:cNvPr id="16" name="Picture 15" descr="Text&#10;&#10;Description automatically generated">
+            <a:extLst>
+              <a:ext uri="{FF2B5EF4-FFF2-40B4-BE49-F238E27FC236}">
+                <a16:creationId xmlns:a16="http://schemas.microsoft.com/office/drawing/2014/main" id="{B19C213F-02AF-F0A8-D6D9-249E747F41AC}"/>
+              </a:ext>
+            </a:extLst>
+          </p:cNvPr>
+          <p:cNvPicPr>
+            <a:picLocks noChangeAspect="1"/>
+          </p:cNvPicPr>
+          <p:nvPr/>
+        </p:nvPicPr>
+        <p:blipFill>
+          <a:blip r:embed="rId4"/>
+          <a:stretch>
+            <a:fillRect/>
+          </a:stretch>
+        </p:blipFill>
+        <p:spPr>
+          <a:xfrm>
+            <a:off x="4448965" y="15084535"/>
+            <a:ext cx="14825670" cy="11751451"/>
+          </a:xfrm>
+          <a:prstGeom prst="rect">
+            <a:avLst/>
+          </a:prstGeom>
+        </p:spPr>
+      </p:pic>
+      <p:pic>
+        <p:nvPicPr>
+          <p:cNvPr id="18" name="Picture 17" descr="A picture containing text, newspaper&#10;&#10;Description automatically generated">
+            <a:extLst>
+              <a:ext uri="{FF2B5EF4-FFF2-40B4-BE49-F238E27FC236}">
+                <a16:creationId xmlns:a16="http://schemas.microsoft.com/office/drawing/2014/main" id="{C3BCCF01-4C43-8956-FCC3-F1C636D9A595}"/>
+              </a:ext>
+            </a:extLst>
+          </p:cNvPr>
+          <p:cNvPicPr>
+            <a:picLocks noChangeAspect="1"/>
+          </p:cNvPicPr>
+          <p:nvPr/>
+        </p:nvPicPr>
+        <p:blipFill>
+          <a:blip r:embed="rId5"/>
+          <a:stretch>
+            <a:fillRect/>
+          </a:stretch>
+        </p:blipFill>
+        <p:spPr>
+          <a:xfrm>
+            <a:off x="19151600" y="15147168"/>
+            <a:ext cx="14618805" cy="11751451"/>
+          </a:xfrm>
+          <a:prstGeom prst="rect">
+            <a:avLst/>
+          </a:prstGeom>
+        </p:spPr>
+      </p:pic>
+    </p:spTree>
+    <p:extLst>
+      <p:ext uri="{BB962C8B-B14F-4D97-AF65-F5344CB8AC3E}">
+        <p14:creationId xmlns:p14="http://schemas.microsoft.com/office/powerpoint/2010/main" val="3161196586"/>
+      </p:ext>
+    </p:extLst>
   </p:cSld>
   <p:clrMapOvr>
     <a:masterClrMapping/>
